--- a/MySPAStyle.pptx
+++ b/MySPAStyle.pptx
@@ -225,7 +225,7 @@
           <a:p>
             <a:fld id="{79F49AED-2701-4563-8C53-40795C402EBA}" type="datetimeFigureOut">
               <a:rPr lang="en-US" smtClean="0"/>
-              <a:t>12/28/2014</a:t>
+              <a:t>12/29/2014</a:t>
             </a:fld>
             <a:endParaRPr lang="en-US"/>
           </a:p>
@@ -582,7 +582,7 @@
             <a:fld id="{81331B57-0BE5-4F82-AA58-76F53EFF3ADA}" type="datetime8">
               <a:rPr lang="en-US" smtClean="0"/>
               <a:pPr/>
-              <a:t>12/28/2014 10:44 PM</a:t>
+              <a:t>12/29/2014 11:37 AM</a:t>
             </a:fld>
             <a:endParaRPr lang="en-US" dirty="0"/>
           </a:p>
@@ -776,7 +776,7 @@
             <a:fld id="{81331B57-0BE5-4F82-AA58-76F53EFF3ADA}" type="datetime8">
               <a:rPr lang="en-US" smtClean="0"/>
               <a:pPr/>
-              <a:t>12/28/2014 10:44 PM</a:t>
+              <a:t>12/29/2014 11:37 AM</a:t>
             </a:fld>
             <a:endParaRPr lang="en-US"/>
           </a:p>
@@ -960,7 +960,7 @@
             <a:fld id="{81331B57-0BE5-4F82-AA58-76F53EFF3ADA}" type="datetime8">
               <a:rPr lang="en-US" smtClean="0"/>
               <a:pPr/>
-              <a:t>12/28/2014 10:49 PM</a:t>
+              <a:t>12/29/2014 11:37 AM</a:t>
             </a:fld>
             <a:endParaRPr lang="en-US"/>
           </a:p>
@@ -4301,7 +4301,11 @@
           <a:p>
             <a:r>
               <a:rPr lang="en-US" dirty="0" smtClean="0"/>
-              <a:t>My Ideas on SPAs</a:t>
+              <a:t>My </a:t>
+            </a:r>
+            <a:r>
+              <a:rPr lang="en-US" dirty="0" smtClean="0"/>
+              <a:t>Views on Web Development</a:t>
             </a:r>
             <a:endParaRPr lang="en-US" dirty="0"/>
           </a:p>
@@ -4412,56 +4416,69 @@
         <p:spPr>
           <a:xfrm>
             <a:off x="381000" y="1411552"/>
-            <a:ext cx="8382000" cy="5219891"/>
+            <a:ext cx="8382000" cy="4567404"/>
           </a:xfrm>
         </p:spPr>
         <p:txBody>
           <a:bodyPr/>
           <a:lstStyle/>
           <a:p>
-            <a:r>
-              <a:rPr lang="en-US" dirty="0" smtClean="0"/>
-              <a:t>Updates view via data binding</a:t>
-            </a:r>
-          </a:p>
-          <a:p>
-            <a:endParaRPr lang="en-US" dirty="0" smtClean="0"/>
-          </a:p>
-          <a:p>
-            <a:r>
-              <a:rPr lang="en-US" dirty="0" smtClean="0"/>
+            <a:pPr lvl="1"/>
+            <a:r>
+              <a:rPr lang="en-US" dirty="0"/>
+              <a:t>Combination </a:t>
+            </a:r>
+            <a:r>
+              <a:rPr lang="en-US" dirty="0" smtClean="0"/>
+              <a:t>of </a:t>
+            </a:r>
+            <a:r>
+              <a:rPr lang="en-US" dirty="0"/>
+              <a:t>model and functionality the view needs</a:t>
+            </a:r>
+          </a:p>
+          <a:p>
+            <a:pPr lvl="1"/>
+            <a:endParaRPr lang="en-US" dirty="0"/>
+          </a:p>
+          <a:p>
+            <a:pPr lvl="1"/>
+            <a:r>
+              <a:rPr lang="en-US" dirty="0"/>
+              <a:t>Updates Views</a:t>
+            </a:r>
+          </a:p>
+          <a:p>
+            <a:pPr lvl="1"/>
+            <a:endParaRPr lang="en-US" dirty="0"/>
+          </a:p>
+          <a:p>
+            <a:pPr lvl="1"/>
+            <a:r>
+              <a:rPr lang="en-US" dirty="0"/>
               <a:t>No view concern (like $(‘div’))</a:t>
             </a:r>
           </a:p>
           <a:p>
-            <a:endParaRPr lang="en-US" dirty="0" smtClean="0"/>
-          </a:p>
-          <a:p>
+            <a:pPr lvl="1"/>
+            <a:endParaRPr lang="en-US" dirty="0"/>
+          </a:p>
+          <a:p>
+            <a:pPr lvl="1"/>
             <a:r>
               <a:rPr lang="en-US" dirty="0"/>
-              <a:t>B</a:t>
-            </a:r>
-            <a:r>
-              <a:rPr lang="en-US" dirty="0" smtClean="0"/>
-              <a:t>inding handlers used for view communication</a:t>
-            </a:r>
-          </a:p>
-          <a:p>
-            <a:endParaRPr lang="en-US" dirty="0" smtClean="0"/>
-          </a:p>
-          <a:p>
-            <a:r>
-              <a:rPr lang="en-US" dirty="0" smtClean="0"/>
-              <a:t>Absence should not break view</a:t>
-            </a:r>
-          </a:p>
-          <a:p>
-            <a:endParaRPr lang="en-US" dirty="0" smtClean="0"/>
-          </a:p>
-          <a:p>
-            <a:r>
-              <a:rPr lang="en-US" dirty="0" smtClean="0"/>
-              <a:t>Allows Model and View to support multiple devices </a:t>
+              <a:t>Absents should  not break M and V</a:t>
+            </a:r>
+          </a:p>
+          <a:p>
+            <a:pPr lvl="1"/>
+            <a:endParaRPr lang="en-US" dirty="0"/>
+          </a:p>
+          <a:p>
+            <a:pPr lvl="1"/>
+            <a:r>
+              <a:rPr lang="en-US" dirty="0"/>
+              <a:t>Allows M and V to support different device</a:t>
             </a:r>
             <a:endParaRPr lang="en-US" dirty="0"/>
           </a:p>
@@ -5098,7 +5115,11 @@
           <a:p>
             <a:r>
               <a:rPr lang="en-US" dirty="0" smtClean="0"/>
-              <a:t>Data	</a:t>
+              <a:t>Data (Service)</a:t>
+            </a:r>
+            <a:r>
+              <a:rPr lang="en-US" dirty="0" smtClean="0"/>
+              <a:t>	</a:t>
             </a:r>
             <a:endParaRPr lang="en-US" dirty="0"/>
           </a:p>
@@ -5117,7 +5138,7 @@
         <p:spPr>
           <a:xfrm>
             <a:off x="381000" y="1411552"/>
-            <a:ext cx="8382000" cy="3053144"/>
+            <a:ext cx="8382000" cy="2609945"/>
           </a:xfrm>
         </p:spPr>
         <p:txBody>
@@ -5126,7 +5147,11 @@
           <a:p>
             <a:r>
               <a:rPr lang="en-US" dirty="0" smtClean="0"/>
-              <a:t>Have dedicated file for accessing server data</a:t>
+              <a:t>Dedicated </a:t>
+            </a:r>
+            <a:r>
+              <a:rPr lang="en-US" dirty="0" smtClean="0"/>
+              <a:t>file for accessing server data</a:t>
             </a:r>
           </a:p>
           <a:p>
@@ -5144,7 +5169,15 @@
           <a:p>
             <a:r>
               <a:rPr lang="en-US" dirty="0" smtClean="0"/>
-              <a:t>View Model can consume this, but view and model do not</a:t>
+              <a:t>Only View </a:t>
+            </a:r>
+            <a:r>
+              <a:rPr lang="en-US" dirty="0" smtClean="0"/>
+              <a:t>Model can consume </a:t>
+            </a:r>
+            <a:r>
+              <a:rPr lang="en-US" dirty="0" smtClean="0"/>
+              <a:t>this</a:t>
             </a:r>
             <a:endParaRPr lang="en-US" dirty="0"/>
           </a:p>
@@ -5350,18 +5383,15 @@
           <a:p>
             <a:r>
               <a:rPr lang="en-US" dirty="0" smtClean="0"/>
-              <a:t>My </a:t>
-            </a:r>
-            <a:r>
-              <a:rPr lang="en-US" dirty="0" smtClean="0"/>
-              <a:t>SPA Architecture Style</a:t>
-            </a:r>
-          </a:p>
-          <a:p>
-            <a:r>
-              <a:rPr lang="en-US" dirty="0" smtClean="0"/>
-              <a:t>Assessment</a:t>
-            </a:r>
+              <a:t>My SPA Architecture Style</a:t>
+            </a:r>
+          </a:p>
+          <a:p>
+            <a:r>
+              <a:rPr lang="en-US" dirty="0" smtClean="0"/>
+              <a:t>Assessment (Review of the code)</a:t>
+            </a:r>
+            <a:endParaRPr lang="en-US" dirty="0" smtClean="0"/>
           </a:p>
           <a:p>
             <a:endParaRPr lang="en-US" dirty="0" smtClean="0"/>
@@ -5458,7 +5488,6 @@
               <a:rPr lang="en-US" dirty="0" smtClean="0"/>
               <a:t>Technologies I think will shape tomorrow</a:t>
             </a:r>
-            <a:endParaRPr lang="en-US" dirty="0" smtClean="0"/>
           </a:p>
         </p:txBody>
       </p:sp>
@@ -5570,9 +5599,22 @@
           <a:p>
             <a:pPr lvl="1"/>
             <a:r>
-              <a:rPr lang="en-US" dirty="0" smtClean="0"/>
-              <a:t>Devices connected online</a:t>
-            </a:r>
+              <a:rPr lang="en-US" dirty="0"/>
+              <a:t>Plethora </a:t>
+            </a:r>
+            <a:r>
+              <a:rPr lang="en-US" dirty="0" smtClean="0"/>
+              <a:t>of Devices </a:t>
+            </a:r>
+            <a:r>
+              <a:rPr lang="en-US" dirty="0" smtClean="0"/>
+              <a:t>connected </a:t>
+            </a:r>
+            <a:r>
+              <a:rPr lang="en-US" dirty="0" smtClean="0"/>
+              <a:t>to the internet</a:t>
+            </a:r>
+            <a:endParaRPr lang="en-US" dirty="0" smtClean="0"/>
           </a:p>
           <a:p>
             <a:endParaRPr lang="en-US" dirty="0"/>
@@ -5587,7 +5629,11 @@
             <a:pPr lvl="1"/>
             <a:r>
               <a:rPr lang="en-US" dirty="0" smtClean="0"/>
-              <a:t>Data provides have to be device-agnostic</a:t>
+              <a:t>Service-provider must be </a:t>
+            </a:r>
+            <a:r>
+              <a:rPr lang="en-US" dirty="0" smtClean="0"/>
+              <a:t>device-agnostic</a:t>
             </a:r>
             <a:endParaRPr lang="en-US" dirty="0"/>
           </a:p>
@@ -5604,7 +5650,15 @@
             <a:pPr lvl="1"/>
             <a:r>
               <a:rPr lang="en-US" dirty="0" smtClean="0"/>
-              <a:t> Web devices depends on data and less on content</a:t>
+              <a:t> Web </a:t>
+            </a:r>
+            <a:r>
+              <a:rPr lang="en-US" dirty="0" smtClean="0"/>
+              <a:t>apps depend </a:t>
+            </a:r>
+            <a:r>
+              <a:rPr lang="en-US" dirty="0" smtClean="0"/>
+              <a:t>on data and less on content</a:t>
             </a:r>
             <a:endParaRPr lang="en-US" dirty="0"/>
           </a:p>
@@ -5686,7 +5740,7 @@
         <p:spPr>
           <a:xfrm>
             <a:off x="381000" y="990600"/>
-            <a:ext cx="8382000" cy="5896999"/>
+            <a:ext cx="8382000" cy="5453801"/>
           </a:xfrm>
         </p:spPr>
         <p:txBody>
@@ -5702,24 +5756,38 @@
             <a:pPr lvl="1"/>
             <a:r>
               <a:rPr lang="en-US" dirty="0" smtClean="0"/>
-              <a:t>Pushing features like require.js into w3c standards</a:t>
-            </a:r>
-          </a:p>
-          <a:p>
-            <a:endParaRPr lang="en-US" dirty="0"/>
-          </a:p>
-          <a:p>
-            <a:r>
-              <a:rPr lang="en-US" dirty="0" smtClean="0"/>
-              <a:t>Microsoft only supported IE Edge beginning in 2016</a:t>
+              <a:t>Bring JavaScript on par with languages like Java</a:t>
+            </a:r>
+            <a:endParaRPr lang="en-US" dirty="0" smtClean="0"/>
+          </a:p>
+          <a:p>
+            <a:endParaRPr lang="en-US" dirty="0"/>
+          </a:p>
+          <a:p>
+            <a:r>
+              <a:rPr lang="en-US" dirty="0" smtClean="0"/>
+              <a:t>Only </a:t>
+            </a:r>
+            <a:r>
+              <a:rPr lang="en-US" dirty="0" smtClean="0"/>
+              <a:t>IE Edge supported </a:t>
+            </a:r>
+            <a:r>
+              <a:rPr lang="en-US" dirty="0" smtClean="0"/>
+              <a:t>beginning in 2016</a:t>
             </a:r>
           </a:p>
           <a:p>
             <a:pPr lvl="1"/>
             <a:r>
               <a:rPr lang="en-US" dirty="0" smtClean="0"/>
-              <a:t>No more compatibility problems (most cases)</a:t>
-            </a:r>
+              <a:t>No more compatibility problems </a:t>
+            </a:r>
+            <a:r>
+              <a:rPr lang="en-US" dirty="0" smtClean="0"/>
+              <a:t>(IE 9 and lower)</a:t>
+            </a:r>
+            <a:endParaRPr lang="en-US" dirty="0" smtClean="0"/>
           </a:p>
           <a:p>
             <a:pPr lvl="1"/>
@@ -5854,7 +5922,7 @@
         <p:spPr>
           <a:xfrm>
             <a:off x="381000" y="1411552"/>
-            <a:ext cx="8382000" cy="3268587"/>
+            <a:ext cx="8382000" cy="3810274"/>
           </a:xfrm>
         </p:spPr>
         <p:txBody>
@@ -5880,11 +5948,23 @@
           <a:p>
             <a:r>
               <a:rPr lang="en-US" dirty="0" smtClean="0"/>
-              <a:t>Great JavaScript/Front-end kung-</a:t>
+              <a:t>Great JavaScript/Front-end </a:t>
+            </a:r>
+            <a:r>
+              <a:rPr lang="en-US" dirty="0" smtClean="0"/>
+              <a:t>Kung-</a:t>
             </a:r>
             <a:r>
               <a:rPr lang="en-US" dirty="0" err="1" smtClean="0"/>
               <a:t>fu</a:t>
+            </a:r>
+            <a:endParaRPr lang="en-US" dirty="0" smtClean="0"/>
+          </a:p>
+          <a:p>
+            <a:pPr lvl="1"/>
+            <a:r>
+              <a:rPr lang="en-US" dirty="0" smtClean="0"/>
+              <a:t>JavaScript way past being “Toy languages”</a:t>
             </a:r>
             <a:endParaRPr lang="en-US" dirty="0" smtClean="0"/>
           </a:p>
@@ -5980,8 +6060,8 @@
         </p:nvSpPr>
         <p:spPr>
           <a:xfrm>
-            <a:off x="381000" y="838200"/>
-            <a:ext cx="8229600" cy="2339102"/>
+            <a:off x="381000" y="1143000"/>
+            <a:ext cx="8229600" cy="1219200"/>
           </a:xfrm>
         </p:spPr>
         <p:txBody>
@@ -5989,42 +6069,9 @@
           <a:lstStyle/>
           <a:p>
             <a:r>
-              <a:rPr lang="en-US" dirty="0" err="1" smtClean="0"/>
-              <a:t>ViewModel</a:t>
-            </a:r>
-            <a:r>
-              <a:rPr lang="en-US" dirty="0" smtClean="0"/>
-              <a:t> (VM)</a:t>
-            </a:r>
-          </a:p>
-          <a:p>
-            <a:pPr lvl="1"/>
-            <a:r>
-              <a:rPr lang="en-US" dirty="0" smtClean="0"/>
-              <a:t>Updates Views</a:t>
-            </a:r>
-          </a:p>
-          <a:p>
-            <a:pPr lvl="1"/>
-            <a:r>
-              <a:rPr lang="en-US" dirty="0" smtClean="0"/>
-              <a:t>No view concern (like $(‘div’))</a:t>
-            </a:r>
-          </a:p>
-          <a:p>
-            <a:pPr lvl="1"/>
-            <a:r>
-              <a:rPr lang="en-US" dirty="0" smtClean="0"/>
-              <a:t>Not present should  not break M and V</a:t>
-            </a:r>
-          </a:p>
-          <a:p>
-            <a:pPr lvl="1"/>
-            <a:r>
-              <a:rPr lang="en-US" dirty="0" smtClean="0"/>
-              <a:t>Allows M and V to support different device</a:t>
-            </a:r>
-            <a:endParaRPr lang="en-US" dirty="0"/>
+              <a:rPr lang="en-US" dirty="0" smtClean="0"/>
+              <a:t>Model | View | View-Model</a:t>
+            </a:r>
           </a:p>
         </p:txBody>
       </p:sp>
